--- a/src/SE2Template/Stimuli/Instructions_Rewarded.pptx
+++ b/src/SE2Template/Stimuli/Instructions_Rewarded.pptx
@@ -12,8 +12,8 @@
     <p:sldId id="258" r:id="rId3"/>
     <p:sldId id="269" r:id="rId4"/>
     <p:sldId id="260" r:id="rId5"/>
-    <p:sldId id="261" r:id="rId6"/>
-    <p:sldId id="262" r:id="rId7"/>
+    <p:sldId id="262" r:id="rId6"/>
+    <p:sldId id="261" r:id="rId7"/>
     <p:sldId id="263" r:id="rId8"/>
     <p:sldId id="267" r:id="rId9"/>
   </p:sldIdLst>
@@ -204,7 +204,7 @@
           <a:p>
             <a:fld id="{62CC9F90-0A1B-4ABF-970D-CD45F3EE6569}" type="datetimeFigureOut">
               <a:rPr lang="fr-FR" smtClean="0"/>
-              <a:t>18/03/2022</a:t>
+              <a:t>23/11/2022</a:t>
             </a:fld>
             <a:endParaRPr lang="fr-FR"/>
           </a:p>
@@ -362,7 +362,7 @@
           <a:p>
             <a:fld id="{E8BC793C-F542-422D-B0F4-20EA999D0B3F}" type="slidenum">
               <a:rPr lang="fr-FR" smtClean="0"/>
-              <a:t>‹N°›</a:t>
+              <a:t>‹#›</a:t>
             </a:fld>
             <a:endParaRPr lang="fr-FR"/>
           </a:p>
@@ -705,7 +705,7 @@
           <a:p>
             <a:fld id="{53BABFD8-D892-4D56-AE10-021BD01BA1FF}" type="datetimeFigureOut">
               <a:rPr lang="fr-FR" smtClean="0"/>
-              <a:t>18/03/2022</a:t>
+              <a:t>23/11/2022</a:t>
             </a:fld>
             <a:endParaRPr lang="fr-FR"/>
           </a:p>
@@ -759,7 +759,7 @@
           <a:p>
             <a:fld id="{0AB29355-503D-4F95-9DE8-1F3DA58A7EA4}" type="slidenum">
               <a:rPr lang="fr-FR" smtClean="0"/>
-              <a:t>‹N°›</a:t>
+              <a:t>‹#›</a:t>
             </a:fld>
             <a:endParaRPr lang="fr-FR"/>
           </a:p>
@@ -903,7 +903,7 @@
           <a:p>
             <a:fld id="{53BABFD8-D892-4D56-AE10-021BD01BA1FF}" type="datetimeFigureOut">
               <a:rPr lang="fr-FR" smtClean="0"/>
-              <a:t>18/03/2022</a:t>
+              <a:t>23/11/2022</a:t>
             </a:fld>
             <a:endParaRPr lang="fr-FR"/>
           </a:p>
@@ -957,7 +957,7 @@
           <a:p>
             <a:fld id="{0AB29355-503D-4F95-9DE8-1F3DA58A7EA4}" type="slidenum">
               <a:rPr lang="fr-FR" smtClean="0"/>
-              <a:t>‹N°›</a:t>
+              <a:t>‹#›</a:t>
             </a:fld>
             <a:endParaRPr lang="fr-FR"/>
           </a:p>
@@ -1111,7 +1111,7 @@
           <a:p>
             <a:fld id="{53BABFD8-D892-4D56-AE10-021BD01BA1FF}" type="datetimeFigureOut">
               <a:rPr lang="fr-FR" smtClean="0"/>
-              <a:t>18/03/2022</a:t>
+              <a:t>23/11/2022</a:t>
             </a:fld>
             <a:endParaRPr lang="fr-FR"/>
           </a:p>
@@ -1165,7 +1165,7 @@
           <a:p>
             <a:fld id="{0AB29355-503D-4F95-9DE8-1F3DA58A7EA4}" type="slidenum">
               <a:rPr lang="fr-FR" smtClean="0"/>
-              <a:t>‹N°›</a:t>
+              <a:t>‹#›</a:t>
             </a:fld>
             <a:endParaRPr lang="fr-FR"/>
           </a:p>
@@ -1309,7 +1309,7 @@
           <a:p>
             <a:fld id="{53BABFD8-D892-4D56-AE10-021BD01BA1FF}" type="datetimeFigureOut">
               <a:rPr lang="fr-FR" smtClean="0"/>
-              <a:t>18/03/2022</a:t>
+              <a:t>23/11/2022</a:t>
             </a:fld>
             <a:endParaRPr lang="fr-FR"/>
           </a:p>
@@ -1363,7 +1363,7 @@
           <a:p>
             <a:fld id="{0AB29355-503D-4F95-9DE8-1F3DA58A7EA4}" type="slidenum">
               <a:rPr lang="fr-FR" smtClean="0"/>
-              <a:t>‹N°›</a:t>
+              <a:t>‹#›</a:t>
             </a:fld>
             <a:endParaRPr lang="fr-FR"/>
           </a:p>
@@ -1584,7 +1584,7 @@
           <a:p>
             <a:fld id="{53BABFD8-D892-4D56-AE10-021BD01BA1FF}" type="datetimeFigureOut">
               <a:rPr lang="fr-FR" smtClean="0"/>
-              <a:t>18/03/2022</a:t>
+              <a:t>23/11/2022</a:t>
             </a:fld>
             <a:endParaRPr lang="fr-FR"/>
           </a:p>
@@ -1638,7 +1638,7 @@
           <a:p>
             <a:fld id="{0AB29355-503D-4F95-9DE8-1F3DA58A7EA4}" type="slidenum">
               <a:rPr lang="fr-FR" smtClean="0"/>
-              <a:t>‹N°›</a:t>
+              <a:t>‹#›</a:t>
             </a:fld>
             <a:endParaRPr lang="fr-FR"/>
           </a:p>
@@ -1849,7 +1849,7 @@
           <a:p>
             <a:fld id="{53BABFD8-D892-4D56-AE10-021BD01BA1FF}" type="datetimeFigureOut">
               <a:rPr lang="fr-FR" smtClean="0"/>
-              <a:t>18/03/2022</a:t>
+              <a:t>23/11/2022</a:t>
             </a:fld>
             <a:endParaRPr lang="fr-FR"/>
           </a:p>
@@ -1903,7 +1903,7 @@
           <a:p>
             <a:fld id="{0AB29355-503D-4F95-9DE8-1F3DA58A7EA4}" type="slidenum">
               <a:rPr lang="fr-FR" smtClean="0"/>
-              <a:t>‹N°›</a:t>
+              <a:t>‹#›</a:t>
             </a:fld>
             <a:endParaRPr lang="fr-FR"/>
           </a:p>
@@ -2261,7 +2261,7 @@
           <a:p>
             <a:fld id="{53BABFD8-D892-4D56-AE10-021BD01BA1FF}" type="datetimeFigureOut">
               <a:rPr lang="fr-FR" smtClean="0"/>
-              <a:t>18/03/2022</a:t>
+              <a:t>23/11/2022</a:t>
             </a:fld>
             <a:endParaRPr lang="fr-FR"/>
           </a:p>
@@ -2315,7 +2315,7 @@
           <a:p>
             <a:fld id="{0AB29355-503D-4F95-9DE8-1F3DA58A7EA4}" type="slidenum">
               <a:rPr lang="fr-FR" smtClean="0"/>
-              <a:t>‹N°›</a:t>
+              <a:t>‹#›</a:t>
             </a:fld>
             <a:endParaRPr lang="fr-FR"/>
           </a:p>
@@ -2402,7 +2402,7 @@
           <a:p>
             <a:fld id="{53BABFD8-D892-4D56-AE10-021BD01BA1FF}" type="datetimeFigureOut">
               <a:rPr lang="fr-FR" smtClean="0"/>
-              <a:t>18/03/2022</a:t>
+              <a:t>23/11/2022</a:t>
             </a:fld>
             <a:endParaRPr lang="fr-FR"/>
           </a:p>
@@ -2456,7 +2456,7 @@
           <a:p>
             <a:fld id="{0AB29355-503D-4F95-9DE8-1F3DA58A7EA4}" type="slidenum">
               <a:rPr lang="fr-FR" smtClean="0"/>
-              <a:t>‹N°›</a:t>
+              <a:t>‹#›</a:t>
             </a:fld>
             <a:endParaRPr lang="fr-FR"/>
           </a:p>
@@ -2515,7 +2515,7 @@
           <a:p>
             <a:fld id="{53BABFD8-D892-4D56-AE10-021BD01BA1FF}" type="datetimeFigureOut">
               <a:rPr lang="fr-FR" smtClean="0"/>
-              <a:t>18/03/2022</a:t>
+              <a:t>23/11/2022</a:t>
             </a:fld>
             <a:endParaRPr lang="fr-FR"/>
           </a:p>
@@ -2569,7 +2569,7 @@
           <a:p>
             <a:fld id="{0AB29355-503D-4F95-9DE8-1F3DA58A7EA4}" type="slidenum">
               <a:rPr lang="fr-FR" smtClean="0"/>
-              <a:t>‹N°›</a:t>
+              <a:t>‹#›</a:t>
             </a:fld>
             <a:endParaRPr lang="fr-FR"/>
           </a:p>
@@ -2826,7 +2826,7 @@
           <a:p>
             <a:fld id="{53BABFD8-D892-4D56-AE10-021BD01BA1FF}" type="datetimeFigureOut">
               <a:rPr lang="fr-FR" smtClean="0"/>
-              <a:t>18/03/2022</a:t>
+              <a:t>23/11/2022</a:t>
             </a:fld>
             <a:endParaRPr lang="fr-FR"/>
           </a:p>
@@ -2880,7 +2880,7 @@
           <a:p>
             <a:fld id="{0AB29355-503D-4F95-9DE8-1F3DA58A7EA4}" type="slidenum">
               <a:rPr lang="fr-FR" smtClean="0"/>
-              <a:t>‹N°›</a:t>
+              <a:t>‹#›</a:t>
             </a:fld>
             <a:endParaRPr lang="fr-FR"/>
           </a:p>
@@ -3114,7 +3114,7 @@
           <a:p>
             <a:fld id="{53BABFD8-D892-4D56-AE10-021BD01BA1FF}" type="datetimeFigureOut">
               <a:rPr lang="fr-FR" smtClean="0"/>
-              <a:t>18/03/2022</a:t>
+              <a:t>23/11/2022</a:t>
             </a:fld>
             <a:endParaRPr lang="fr-FR"/>
           </a:p>
@@ -3168,7 +3168,7 @@
           <a:p>
             <a:fld id="{0AB29355-503D-4F95-9DE8-1F3DA58A7EA4}" type="slidenum">
               <a:rPr lang="fr-FR" smtClean="0"/>
-              <a:t>‹N°›</a:t>
+              <a:t>‹#›</a:t>
             </a:fld>
             <a:endParaRPr lang="fr-FR"/>
           </a:p>
@@ -3355,7 +3355,7 @@
           <a:p>
             <a:fld id="{53BABFD8-D892-4D56-AE10-021BD01BA1FF}" type="datetimeFigureOut">
               <a:rPr lang="fr-FR" smtClean="0"/>
-              <a:t>18/03/2022</a:t>
+              <a:t>23/11/2022</a:t>
             </a:fld>
             <a:endParaRPr lang="fr-FR"/>
           </a:p>
@@ -3445,7 +3445,7 @@
           <a:p>
             <a:fld id="{0AB29355-503D-4F95-9DE8-1F3DA58A7EA4}" type="slidenum">
               <a:rPr lang="fr-FR" smtClean="0"/>
-              <a:t>‹N°›</a:t>
+              <a:t>‹#›</a:t>
             </a:fld>
             <a:endParaRPr lang="fr-FR"/>
           </a:p>
@@ -3933,14 +3933,14 @@
             <a:pPr lvl="1"/>
             <a:r>
               <a:rPr lang="fr-FR" dirty="0"/>
-              <a:t>Vous ferez 46 exercices de mémorisation, qui consisteront à mémoriser l’emplacement de paires de chiffres disposés sur une grille. Plus il y aura de paires de chiffres à mémoriser, plus l’exercice sera difficile.</a:t>
+              <a:t>Vous ferez 36 exercices de mémorisation, qui consisteront à mémoriser l’emplacement de paires de chiffres disposés sur une grille. Plus il y aura de paires de chiffres à mémoriser, plus l’exercice sera difficile.</a:t>
             </a:r>
           </a:p>
           <a:p>
             <a:pPr lvl="1"/>
             <a:r>
               <a:rPr lang="fr-FR" dirty="0"/>
-              <a:t>À la fin de chaque exercice, nous vous demanderons de vous auto-évaluer.</a:t>
+              <a:t>Lors de chaque exercice, nous vous demanderons de vous auto-évaluer.</a:t>
             </a:r>
           </a:p>
           <a:p>
@@ -4084,21 +4084,13 @@
             </a:r>
             <a:r>
               <a:rPr lang="fr-FR" dirty="0"/>
-              <a:t> est le nombre de points que vous obtenez si vous atteignez l’objectif (1 ou 10). Attention: votre rétribution financière dépend du total de points que vous aurez obtenu (sur les 46 exercices).</a:t>
+              <a:t> est le nombre de points que vous obtenez si vous atteignez l’objectif (1 ou 10). Attention: votre rétribution financière dépend du total de points que vous aurez obtenu (sur les 36 exercices).</a:t>
             </a:r>
           </a:p>
           <a:p>
             <a:r>
               <a:rPr lang="fr-FR" dirty="0"/>
-              <a:t>Avant chaque exercice, nous vous afficherons l’objectif et le bonus. Vous nous indiquerez alors combien de temps vous souhaitez voir la grille (entre 15 et </a:t>
-            </a:r>
-            <a:r>
-              <a:rPr lang="fr-FR" dirty="0" smtClean="0"/>
-              <a:t>75 </a:t>
-            </a:r>
-            <a:r>
-              <a:rPr lang="fr-FR" dirty="0"/>
-              <a:t>secondes).</a:t>
+              <a:t>Avant chaque exercice, nous vous afficherons l’objectif et le bonus. Vous nous indiquerez alors combien de temps vous souhaitez voir la grille (entre 0 et 60 secondes).</a:t>
             </a:r>
           </a:p>
           <a:p>
@@ -4237,7 +4229,7 @@
           <p:cNvPr id="2" name="Titre 1">
             <a:extLst>
               <a:ext uri="{FF2B5EF4-FFF2-40B4-BE49-F238E27FC236}">
-                <a16:creationId xmlns:a16="http://schemas.microsoft.com/office/drawing/2014/main" id="{3D9434FB-C73E-49EC-8798-CFAAA1FDCEDF}"/>
+                <a16:creationId xmlns:a16="http://schemas.microsoft.com/office/drawing/2014/main" id="{A867B0E4-F325-40E8-9485-8FC63A43F669}"/>
               </a:ext>
             </a:extLst>
           </p:cNvPr>
@@ -4254,12 +4246,8 @@
           <a:lstStyle/>
           <a:p>
             <a:r>
-              <a:rPr lang="fr-FR" dirty="0" err="1"/>
-              <a:t>Etape</a:t>
-            </a:r>
-            <a:r>
               <a:rPr lang="fr-FR" dirty="0"/>
-              <a:t> 3 : Test </a:t>
+              <a:t>Etape 3 : Auto-évaluation</a:t>
             </a:r>
           </a:p>
         </p:txBody>
@@ -4269,7 +4257,7 @@
           <p:cNvPr id="3" name="Espace réservé du contenu 2">
             <a:extLst>
               <a:ext uri="{FF2B5EF4-FFF2-40B4-BE49-F238E27FC236}">
-                <a16:creationId xmlns:a16="http://schemas.microsoft.com/office/drawing/2014/main" id="{2A2EE7A3-8CD1-4A74-9A23-D224A3CB8DD3}"/>
+                <a16:creationId xmlns:a16="http://schemas.microsoft.com/office/drawing/2014/main" id="{3323603C-DB55-430E-BCD3-A096CD7D14A6}"/>
               </a:ext>
             </a:extLst>
           </p:cNvPr>
@@ -4282,40 +4270,27 @@
         </p:nvSpPr>
         <p:spPr/>
         <p:txBody>
-          <a:bodyPr>
-            <a:normAutofit/>
-          </a:bodyPr>
+          <a:bodyPr/>
           <a:lstStyle/>
           <a:p>
             <a:r>
               <a:rPr lang="fr-FR" dirty="0"/>
-              <a:t>Nous allons maintenant tester votre mémoire.</a:t>
-            </a:r>
-          </a:p>
-          <a:p>
-            <a:r>
-              <a:rPr lang="fr-FR" dirty="0"/>
-              <a:t>Pour chaque paire, nous vous montrerons l’un des chiffres, et vous devrez cliquer sur l’emplacement de l’autre chiffre.</a:t>
-            </a:r>
-          </a:p>
-          <a:p>
-            <a:r>
-              <a:rPr lang="fr-FR" dirty="0"/>
-              <a:t>Si vous être sûr de votre réponse, cliquez sur « Ok je suis sûr » ; sinon, cliquez sur « Ok mais je ne suis pas sûr ».</a:t>
-            </a:r>
-          </a:p>
-          <a:p>
-            <a:r>
-              <a:rPr lang="fr-FR" dirty="0"/>
-              <a:t>Nous testerons alors la prochaine paire (et ainsi de suite...).</a:t>
-            </a:r>
+              <a:t>Nous allons maintenant vous demander d’indiquer le nombre d’emplacements que vous pensez avoir correctement retrouvés.</a:t>
+            </a:r>
+          </a:p>
+          <a:p>
+            <a:r>
+              <a:rPr lang="fr-FR" b="1" dirty="0"/>
+              <a:t>Votre réponse est importante: prenez le temps d’y réfléchir!</a:t>
+            </a:r>
+            <a:endParaRPr lang="fr-FR" dirty="0"/>
           </a:p>
         </p:txBody>
       </p:sp>
     </p:spTree>
     <p:extLst>
       <p:ext uri="{BB962C8B-B14F-4D97-AF65-F5344CB8AC3E}">
-        <p14:creationId xmlns:p14="http://schemas.microsoft.com/office/powerpoint/2010/main" val="1776127479"/>
+        <p14:creationId xmlns:p14="http://schemas.microsoft.com/office/powerpoint/2010/main" val="3373185044"/>
       </p:ext>
     </p:extLst>
   </p:cSld>
@@ -4347,7 +4322,7 @@
           <p:cNvPr id="2" name="Titre 1">
             <a:extLst>
               <a:ext uri="{FF2B5EF4-FFF2-40B4-BE49-F238E27FC236}">
-                <a16:creationId xmlns:a16="http://schemas.microsoft.com/office/drawing/2014/main" id="{A867B0E4-F325-40E8-9485-8FC63A43F669}"/>
+                <a16:creationId xmlns:a16="http://schemas.microsoft.com/office/drawing/2014/main" id="{3D9434FB-C73E-49EC-8798-CFAAA1FDCEDF}"/>
               </a:ext>
             </a:extLst>
           </p:cNvPr>
@@ -4364,12 +4339,8 @@
           <a:lstStyle/>
           <a:p>
             <a:r>
-              <a:rPr lang="fr-FR" dirty="0" err="1"/>
-              <a:t>Etape</a:t>
-            </a:r>
-            <a:r>
               <a:rPr lang="fr-FR" dirty="0"/>
-              <a:t> 4 : Auto-évaluation</a:t>
+              <a:t>Etape 4 : Test </a:t>
             </a:r>
           </a:p>
         </p:txBody>
@@ -4379,7 +4350,7 @@
           <p:cNvPr id="3" name="Espace réservé du contenu 2">
             <a:extLst>
               <a:ext uri="{FF2B5EF4-FFF2-40B4-BE49-F238E27FC236}">
-                <a16:creationId xmlns:a16="http://schemas.microsoft.com/office/drawing/2014/main" id="{3323603C-DB55-430E-BCD3-A096CD7D14A6}"/>
+                <a16:creationId xmlns:a16="http://schemas.microsoft.com/office/drawing/2014/main" id="{2A2EE7A3-8CD1-4A74-9A23-D224A3CB8DD3}"/>
               </a:ext>
             </a:extLst>
           </p:cNvPr>
@@ -4392,24 +4363,32 @@
         </p:nvSpPr>
         <p:spPr/>
         <p:txBody>
-          <a:bodyPr/>
+          <a:bodyPr>
+            <a:normAutofit/>
+          </a:bodyPr>
           <a:lstStyle/>
           <a:p>
             <a:r>
               <a:rPr lang="fr-FR" dirty="0"/>
-              <a:t>Nous allons maintenant vous demander d’indiquer le nombre d’emplacements que vous pensez avoir correctement retrouvés.</a:t>
+              <a:t>Nous allons maintenant tester votre mémoire.</a:t>
             </a:r>
           </a:p>
           <a:p>
             <a:r>
               <a:rPr lang="fr-FR" dirty="0"/>
-              <a:t>Votre réponse est importante: prenez le temps d’y réfléchir!</a:t>
+              <a:t>Pour chaque paire, nous vous montrerons l’un des chiffres, et vous devrez cliquer sur l’emplacement de l’autre chiffre.</a:t>
             </a:r>
           </a:p>
           <a:p>
             <a:r>
               <a:rPr lang="fr-FR" dirty="0"/>
-              <a:t>Dans certains exercices, nous vous demanderons aussi d’indiquer l’effort que vous avez fourni pour mémoriser la grille.</a:t>
+              <a:t>Si vous être sûr de votre réponse, cliquez sur « Ok je suis sûr » ; sinon, cliquez sur « Ok mais je ne suis pas sûr ».</a:t>
+            </a:r>
+          </a:p>
+          <a:p>
+            <a:r>
+              <a:rPr lang="fr-FR" dirty="0"/>
+              <a:t>Nous testerons alors la prochaine paire (et ainsi de suite...).</a:t>
             </a:r>
           </a:p>
         </p:txBody>
@@ -4417,7 +4396,7 @@
     </p:spTree>
     <p:extLst>
       <p:ext uri="{BB962C8B-B14F-4D97-AF65-F5344CB8AC3E}">
-        <p14:creationId xmlns:p14="http://schemas.microsoft.com/office/powerpoint/2010/main" val="3373185044"/>
+        <p14:creationId xmlns:p14="http://schemas.microsoft.com/office/powerpoint/2010/main" val="1776127479"/>
       </p:ext>
     </p:extLst>
   </p:cSld>
@@ -4637,8 +4616,8 @@
                 <a:t>comprend</a:t>
               </a:r>
               <a:r>
-                <a:rPr lang="en-GB" sz="2400"/>
-                <a:t> 46 </a:t>
+                <a:rPr lang="en-GB" sz="2400" dirty="0"/>
+                <a:t> 36 </a:t>
               </a:r>
               <a:r>
                 <a:rPr lang="en-GB" sz="2400" dirty="0" err="1"/>
@@ -4783,12 +4762,8 @@
             </a:p>
             <a:p>
               <a:r>
-                <a:rPr lang="fr-FR" sz="2400" b="1" dirty="0" err="1"/>
-                <a:t>Etape</a:t>
-              </a:r>
-              <a:r>
                 <a:rPr lang="fr-FR" sz="2400" b="1" dirty="0"/>
-                <a:t> 2 </a:t>
+                <a:t>Etape 2 </a:t>
               </a:r>
               <a:r>
                 <a:rPr lang="fr-FR" sz="2400" dirty="0"/>
@@ -4797,30 +4772,22 @@
             </a:p>
             <a:p>
               <a:r>
-                <a:rPr lang="fr-FR" sz="2400" b="1" dirty="0" err="1"/>
-                <a:t>Etape</a:t>
+                <a:rPr lang="fr-FR" sz="2400" b="1" dirty="0"/>
+                <a:t>Etape 3</a:t>
               </a:r>
               <a:r>
+                <a:rPr lang="fr-FR" sz="2400" dirty="0"/>
+                <a:t> : vous vous auto-évaluez</a:t>
+              </a:r>
+            </a:p>
+            <a:p>
+              <a:r>
                 <a:rPr lang="fr-FR" sz="2400" b="1" dirty="0"/>
-                <a:t> 3</a:t>
+                <a:t>Etape 4</a:t>
               </a:r>
               <a:r>
                 <a:rPr lang="fr-FR" sz="2400" dirty="0"/>
                 <a:t> : nous testons votre mémoire</a:t>
-              </a:r>
-            </a:p>
-            <a:p>
-              <a:r>
-                <a:rPr lang="fr-FR" sz="2400" b="1" dirty="0" err="1"/>
-                <a:t>Etape</a:t>
-              </a:r>
-              <a:r>
-                <a:rPr lang="fr-FR" sz="2400" b="1" dirty="0"/>
-                <a:t> 4</a:t>
-              </a:r>
-              <a:r>
-                <a:rPr lang="fr-FR" sz="2400" dirty="0"/>
-                <a:t> : vous vous auto-évaluez</a:t>
               </a:r>
             </a:p>
             <a:p>
